--- a/docs/workflow.pptx
+++ b/docs/workflow.pptx
@@ -6,7 +6,8 @@
   </p:sldMasterIdLst>
   <p:sldIdLst>
     <p:sldId id="257" r:id="rId2"/>
-    <p:sldId id="258" r:id="rId3"/>
+    <p:sldId id="260" r:id="rId3"/>
+    <p:sldId id="258" r:id="rId4"/>
   </p:sldIdLst>
   <p:sldSz cx="12192000" cy="6858000"/>
   <p:notesSz cx="6858000" cy="9144000"/>
@@ -105,6 +106,11 @@
       </a:defRPr>
     </a:lvl9pPr>
   </p:defaultTextStyle>
+  <p:extLst>
+    <p:ext uri="{EFAFB233-063F-42B5-8137-9DF3F51BA10A}">
+      <p15:sldGuideLst xmlns:p15="http://schemas.microsoft.com/office/powerpoint/2012/main"/>
+    </p:ext>
+  </p:extLst>
 </p:presentation>
 </file>
 
@@ -255,7 +261,7 @@
           <a:p>
             <a:fld id="{ABB479F7-720E-44BA-B623-77781D9EB986}" type="datetimeFigureOut">
               <a:rPr lang="es-ES" smtClean="0"/>
-              <a:t>11/07/2025</a:t>
+              <a:t>14/07/2025</a:t>
             </a:fld>
             <a:endParaRPr lang="es-ES"/>
           </a:p>
@@ -453,7 +459,7 @@
           <a:p>
             <a:fld id="{ABB479F7-720E-44BA-B623-77781D9EB986}" type="datetimeFigureOut">
               <a:rPr lang="es-ES" smtClean="0"/>
-              <a:t>11/07/2025</a:t>
+              <a:t>14/07/2025</a:t>
             </a:fld>
             <a:endParaRPr lang="es-ES"/>
           </a:p>
@@ -661,7 +667,7 @@
           <a:p>
             <a:fld id="{ABB479F7-720E-44BA-B623-77781D9EB986}" type="datetimeFigureOut">
               <a:rPr lang="es-ES" smtClean="0"/>
-              <a:t>11/07/2025</a:t>
+              <a:t>14/07/2025</a:t>
             </a:fld>
             <a:endParaRPr lang="es-ES"/>
           </a:p>
@@ -859,7 +865,7 @@
           <a:p>
             <a:fld id="{ABB479F7-720E-44BA-B623-77781D9EB986}" type="datetimeFigureOut">
               <a:rPr lang="es-ES" smtClean="0"/>
-              <a:t>11/07/2025</a:t>
+              <a:t>14/07/2025</a:t>
             </a:fld>
             <a:endParaRPr lang="es-ES"/>
           </a:p>
@@ -1134,7 +1140,7 @@
           <a:p>
             <a:fld id="{ABB479F7-720E-44BA-B623-77781D9EB986}" type="datetimeFigureOut">
               <a:rPr lang="es-ES" smtClean="0"/>
-              <a:t>11/07/2025</a:t>
+              <a:t>14/07/2025</a:t>
             </a:fld>
             <a:endParaRPr lang="es-ES"/>
           </a:p>
@@ -1399,7 +1405,7 @@
           <a:p>
             <a:fld id="{ABB479F7-720E-44BA-B623-77781D9EB986}" type="datetimeFigureOut">
               <a:rPr lang="es-ES" smtClean="0"/>
-              <a:t>11/07/2025</a:t>
+              <a:t>14/07/2025</a:t>
             </a:fld>
             <a:endParaRPr lang="es-ES"/>
           </a:p>
@@ -1811,7 +1817,7 @@
           <a:p>
             <a:fld id="{ABB479F7-720E-44BA-B623-77781D9EB986}" type="datetimeFigureOut">
               <a:rPr lang="es-ES" smtClean="0"/>
-              <a:t>11/07/2025</a:t>
+              <a:t>14/07/2025</a:t>
             </a:fld>
             <a:endParaRPr lang="es-ES"/>
           </a:p>
@@ -1952,7 +1958,7 @@
           <a:p>
             <a:fld id="{ABB479F7-720E-44BA-B623-77781D9EB986}" type="datetimeFigureOut">
               <a:rPr lang="es-ES" smtClean="0"/>
-              <a:t>11/07/2025</a:t>
+              <a:t>14/07/2025</a:t>
             </a:fld>
             <a:endParaRPr lang="es-ES"/>
           </a:p>
@@ -2065,7 +2071,7 @@
           <a:p>
             <a:fld id="{ABB479F7-720E-44BA-B623-77781D9EB986}" type="datetimeFigureOut">
               <a:rPr lang="es-ES" smtClean="0"/>
-              <a:t>11/07/2025</a:t>
+              <a:t>14/07/2025</a:t>
             </a:fld>
             <a:endParaRPr lang="es-ES"/>
           </a:p>
@@ -2376,7 +2382,7 @@
           <a:p>
             <a:fld id="{ABB479F7-720E-44BA-B623-77781D9EB986}" type="datetimeFigureOut">
               <a:rPr lang="es-ES" smtClean="0"/>
-              <a:t>11/07/2025</a:t>
+              <a:t>14/07/2025</a:t>
             </a:fld>
             <a:endParaRPr lang="es-ES"/>
           </a:p>
@@ -2664,7 +2670,7 @@
           <a:p>
             <a:fld id="{ABB479F7-720E-44BA-B623-77781D9EB986}" type="datetimeFigureOut">
               <a:rPr lang="es-ES" smtClean="0"/>
-              <a:t>11/07/2025</a:t>
+              <a:t>14/07/2025</a:t>
             </a:fld>
             <a:endParaRPr lang="es-ES"/>
           </a:p>
@@ -2905,7 +2911,7 @@
           <a:p>
             <a:fld id="{ABB479F7-720E-44BA-B623-77781D9EB986}" type="datetimeFigureOut">
               <a:rPr lang="es-ES" smtClean="0"/>
-              <a:t>11/07/2025</a:t>
+              <a:t>14/07/2025</a:t>
             </a:fld>
             <a:endParaRPr lang="es-ES"/>
           </a:p>
@@ -3693,6 +3699,142 @@
 </file>
 
 <file path=ppt/slides/slide2.xml><?xml version="1.0" encoding="utf-8"?>
+<p:sld xmlns:a="http://schemas.openxmlformats.org/drawingml/2006/main" xmlns:r="http://schemas.openxmlformats.org/officeDocument/2006/relationships" xmlns:p="http://schemas.openxmlformats.org/presentationml/2006/main">
+  <p:cSld>
+    <p:spTree>
+      <p:nvGrpSpPr>
+        <p:cNvPr id="1" name=""/>
+        <p:cNvGrpSpPr/>
+        <p:nvPr/>
+      </p:nvGrpSpPr>
+      <p:grpSpPr>
+        <a:xfrm>
+          <a:off x="0" y="0"/>
+          <a:ext cx="0" cy="0"/>
+          <a:chOff x="0" y="0"/>
+          <a:chExt cx="0" cy="0"/>
+        </a:xfrm>
+      </p:grpSpPr>
+      <p:sp>
+        <p:nvSpPr>
+          <p:cNvPr id="2" name="Título 1">
+            <a:extLst>
+              <a:ext uri="{FF2B5EF4-FFF2-40B4-BE49-F238E27FC236}">
+                <a16:creationId xmlns:a16="http://schemas.microsoft.com/office/drawing/2014/main" id="{D9D5D861-BC68-06EE-7AC0-87540F39F568}"/>
+              </a:ext>
+            </a:extLst>
+          </p:cNvPr>
+          <p:cNvSpPr>
+            <a:spLocks noGrp="1"/>
+          </p:cNvSpPr>
+          <p:nvPr>
+            <p:ph type="title"/>
+          </p:nvPr>
+        </p:nvSpPr>
+        <p:spPr/>
+        <p:txBody>
+          <a:bodyPr>
+            <a:normAutofit/>
+          </a:bodyPr>
+          <a:lstStyle/>
+          <a:p>
+            <a:r>
+              <a:rPr lang="es-ES" sz="2400" dirty="0"/>
+              <a:t>Estado de arte del IPC </a:t>
+            </a:r>
+          </a:p>
+        </p:txBody>
+      </p:sp>
+      <p:sp>
+        <p:nvSpPr>
+          <p:cNvPr id="3" name="Marcador de contenido 2">
+            <a:extLst>
+              <a:ext uri="{FF2B5EF4-FFF2-40B4-BE49-F238E27FC236}">
+                <a16:creationId xmlns:a16="http://schemas.microsoft.com/office/drawing/2014/main" id="{4A6095FE-2F1B-D9EF-7BAC-A1ABB28AE7A6}"/>
+              </a:ext>
+            </a:extLst>
+          </p:cNvPr>
+          <p:cNvSpPr>
+            <a:spLocks noGrp="1"/>
+          </p:cNvSpPr>
+          <p:nvPr>
+            <p:ph idx="1"/>
+          </p:nvPr>
+        </p:nvSpPr>
+        <p:spPr/>
+        <p:txBody>
+          <a:bodyPr>
+            <a:normAutofit/>
+          </a:bodyPr>
+          <a:lstStyle/>
+          <a:p>
+            <a:r>
+              <a:rPr lang="es-ES" sz="1200" dirty="0"/>
+              <a:t>El Índice de Precios de Consumo, que se publica mensualmente, tiene como objetivo medir la evolución del nivel de precios de los bienes y servicios de consumo adquiridos por los hogares residentes en España.</a:t>
+            </a:r>
+          </a:p>
+          <a:p>
+            <a:r>
+              <a:rPr lang="es-ES" sz="1200" dirty="0"/>
+              <a:t>El COICOP (</a:t>
+            </a:r>
+            <a:r>
+              <a:rPr lang="es-ES" sz="1200" dirty="0" err="1"/>
+              <a:t>Classification</a:t>
+            </a:r>
+            <a:r>
+              <a:rPr lang="es-ES" sz="1200" dirty="0"/>
+              <a:t> </a:t>
+            </a:r>
+            <a:r>
+              <a:rPr lang="es-ES" sz="1200" dirty="0" err="1"/>
+              <a:t>Of</a:t>
+            </a:r>
+            <a:r>
+              <a:rPr lang="es-ES" sz="1200" dirty="0"/>
+              <a:t> Individual </a:t>
+            </a:r>
+            <a:r>
+              <a:rPr lang="es-ES" sz="1200" dirty="0" err="1"/>
+              <a:t>Consumption</a:t>
+            </a:r>
+            <a:r>
+              <a:rPr lang="es-ES" sz="1200" dirty="0"/>
+              <a:t> </a:t>
+            </a:r>
+            <a:r>
+              <a:rPr lang="es-ES" sz="1200" dirty="0" err="1"/>
+              <a:t>by</a:t>
+            </a:r>
+            <a:r>
+              <a:rPr lang="es-ES" sz="1200" dirty="0"/>
+              <a:t> </a:t>
+            </a:r>
+            <a:r>
+              <a:rPr lang="es-ES" sz="1200" dirty="0" err="1"/>
+              <a:t>Purpose</a:t>
+            </a:r>
+            <a:r>
+              <a:rPr lang="es-ES" sz="1200" dirty="0"/>
+              <a:t>, o Clasificación del Consumo Individual por Finalidad) es un sistema internacional de clasificación desarrollado por las Naciones Unidas para organizar y categorizar los gastos de consumo de los hogares según su finalidad. Se utiliza principalmente en estadísticas económicas, como las encuestas de presupuestos familiares y los índices de precios al consumo (IPC), para estandarizar la recopilación y comparación de datos a nivel global.</a:t>
+            </a:r>
+          </a:p>
+        </p:txBody>
+      </p:sp>
+    </p:spTree>
+    <p:extLst>
+      <p:ext uri="{BB962C8B-B14F-4D97-AF65-F5344CB8AC3E}">
+        <p14:creationId xmlns:p14="http://schemas.microsoft.com/office/powerpoint/2010/main" val="4119629493"/>
+      </p:ext>
+    </p:extLst>
+  </p:cSld>
+  <p:clrMapOvr>
+    <a:masterClrMapping/>
+  </p:clrMapOvr>
+</p:sld>
+</file>
+
+<file path=ppt/slides/slide3.xml><?xml version="1.0" encoding="utf-8"?>
 <p:sld xmlns:a="http://schemas.openxmlformats.org/drawingml/2006/main" xmlns:r="http://schemas.openxmlformats.org/officeDocument/2006/relationships" xmlns:p="http://schemas.openxmlformats.org/presentationml/2006/main">
   <p:cSld>
     <p:spTree>
